--- a/Russian Memes.pptx
+++ b/Russian Memes.pptx
@@ -16,6 +16,9 @@
     <p:sldId id="264" r:id="rId10"/>
     <p:sldId id="265" r:id="rId11"/>
     <p:sldId id="266" r:id="rId12"/>
+    <p:sldId id="267" r:id="rId13"/>
+    <p:sldId id="268" r:id="rId14"/>
+    <p:sldId id="269" r:id="rId15"/>
   </p:sldIdLst>
   <p:sldSz cx="12192000" cy="6858000"/>
   <p:notesSz cx="6858000" cy="9144000"/>
@@ -271,7 +274,7 @@
           <a:p>
             <a:fld id="{7E83531D-F6E5-4002-846D-9330B91BFD2E}" type="datetimeFigureOut">
               <a:rPr lang="ru-RU" smtClean="0"/>
-              <a:t>24.12.2019</a:t>
+              <a:t>25.12.2019</a:t>
             </a:fld>
             <a:endParaRPr lang="ru-RU"/>
           </a:p>
@@ -341,6 +344,9 @@
   <p:clrMapOvr>
     <a:masterClrMapping/>
   </p:clrMapOvr>
+  <p:transition spd="slow">
+    <p:cover/>
+  </p:transition>
 </p:sldLayout>
 </file>
 
@@ -471,7 +477,7 @@
           <a:p>
             <a:fld id="{7E83531D-F6E5-4002-846D-9330B91BFD2E}" type="datetimeFigureOut">
               <a:rPr lang="ru-RU" smtClean="0"/>
-              <a:t>24.12.2019</a:t>
+              <a:t>25.12.2019</a:t>
             </a:fld>
             <a:endParaRPr lang="ru-RU"/>
           </a:p>
@@ -541,6 +547,9 @@
   <p:clrMapOvr>
     <a:masterClrMapping/>
   </p:clrMapOvr>
+  <p:transition spd="slow">
+    <p:cover/>
+  </p:transition>
 </p:sldLayout>
 </file>
 
@@ -681,7 +690,7 @@
           <a:p>
             <a:fld id="{7E83531D-F6E5-4002-846D-9330B91BFD2E}" type="datetimeFigureOut">
               <a:rPr lang="ru-RU" smtClean="0"/>
-              <a:t>24.12.2019</a:t>
+              <a:t>25.12.2019</a:t>
             </a:fld>
             <a:endParaRPr lang="ru-RU"/>
           </a:p>
@@ -751,6 +760,9 @@
   <p:clrMapOvr>
     <a:masterClrMapping/>
   </p:clrMapOvr>
+  <p:transition spd="slow">
+    <p:cover/>
+  </p:transition>
 </p:sldLayout>
 </file>
 
@@ -881,7 +893,7 @@
           <a:p>
             <a:fld id="{7E83531D-F6E5-4002-846D-9330B91BFD2E}" type="datetimeFigureOut">
               <a:rPr lang="ru-RU" smtClean="0"/>
-              <a:t>24.12.2019</a:t>
+              <a:t>25.12.2019</a:t>
             </a:fld>
             <a:endParaRPr lang="ru-RU"/>
           </a:p>
@@ -951,6 +963,9 @@
   <p:clrMapOvr>
     <a:masterClrMapping/>
   </p:clrMapOvr>
+  <p:transition spd="slow">
+    <p:cover/>
+  </p:transition>
 </p:sldLayout>
 </file>
 
@@ -1157,7 +1172,7 @@
           <a:p>
             <a:fld id="{7E83531D-F6E5-4002-846D-9330B91BFD2E}" type="datetimeFigureOut">
               <a:rPr lang="ru-RU" smtClean="0"/>
-              <a:t>24.12.2019</a:t>
+              <a:t>25.12.2019</a:t>
             </a:fld>
             <a:endParaRPr lang="ru-RU"/>
           </a:p>
@@ -1227,6 +1242,9 @@
   <p:clrMapOvr>
     <a:masterClrMapping/>
   </p:clrMapOvr>
+  <p:transition spd="slow">
+    <p:cover/>
+  </p:transition>
 </p:sldLayout>
 </file>
 
@@ -1425,7 +1443,7 @@
           <a:p>
             <a:fld id="{7E83531D-F6E5-4002-846D-9330B91BFD2E}" type="datetimeFigureOut">
               <a:rPr lang="ru-RU" smtClean="0"/>
-              <a:t>24.12.2019</a:t>
+              <a:t>25.12.2019</a:t>
             </a:fld>
             <a:endParaRPr lang="ru-RU"/>
           </a:p>
@@ -1495,6 +1513,9 @@
   <p:clrMapOvr>
     <a:masterClrMapping/>
   </p:clrMapOvr>
+  <p:transition spd="slow">
+    <p:cover/>
+  </p:transition>
 </p:sldLayout>
 </file>
 
@@ -1840,7 +1861,7 @@
           <a:p>
             <a:fld id="{7E83531D-F6E5-4002-846D-9330B91BFD2E}" type="datetimeFigureOut">
               <a:rPr lang="ru-RU" smtClean="0"/>
-              <a:t>24.12.2019</a:t>
+              <a:t>25.12.2019</a:t>
             </a:fld>
             <a:endParaRPr lang="ru-RU"/>
           </a:p>
@@ -1910,6 +1931,9 @@
   <p:clrMapOvr>
     <a:masterClrMapping/>
   </p:clrMapOvr>
+  <p:transition spd="slow">
+    <p:cover/>
+  </p:transition>
 </p:sldLayout>
 </file>
 
@@ -1982,7 +2006,7 @@
           <a:p>
             <a:fld id="{7E83531D-F6E5-4002-846D-9330B91BFD2E}" type="datetimeFigureOut">
               <a:rPr lang="ru-RU" smtClean="0"/>
-              <a:t>24.12.2019</a:t>
+              <a:t>25.12.2019</a:t>
             </a:fld>
             <a:endParaRPr lang="ru-RU"/>
           </a:p>
@@ -2052,6 +2076,9 @@
   <p:clrMapOvr>
     <a:masterClrMapping/>
   </p:clrMapOvr>
+  <p:transition spd="slow">
+    <p:cover/>
+  </p:transition>
 </p:sldLayout>
 </file>
 
@@ -2095,7 +2122,7 @@
           <a:p>
             <a:fld id="{7E83531D-F6E5-4002-846D-9330B91BFD2E}" type="datetimeFigureOut">
               <a:rPr lang="ru-RU" smtClean="0"/>
-              <a:t>24.12.2019</a:t>
+              <a:t>25.12.2019</a:t>
             </a:fld>
             <a:endParaRPr lang="ru-RU"/>
           </a:p>
@@ -2165,6 +2192,9 @@
   <p:clrMapOvr>
     <a:masterClrMapping/>
   </p:clrMapOvr>
+  <p:transition spd="slow">
+    <p:cover/>
+  </p:transition>
 </p:sldLayout>
 </file>
 
@@ -2408,7 +2438,7 @@
           <a:p>
             <a:fld id="{7E83531D-F6E5-4002-846D-9330B91BFD2E}" type="datetimeFigureOut">
               <a:rPr lang="ru-RU" smtClean="0"/>
-              <a:t>24.12.2019</a:t>
+              <a:t>25.12.2019</a:t>
             </a:fld>
             <a:endParaRPr lang="ru-RU"/>
           </a:p>
@@ -2478,6 +2508,9 @@
   <p:clrMapOvr>
     <a:masterClrMapping/>
   </p:clrMapOvr>
+  <p:transition spd="slow">
+    <p:cover/>
+  </p:transition>
 </p:sldLayout>
 </file>
 
@@ -2697,7 +2730,7 @@
           <a:p>
             <a:fld id="{7E83531D-F6E5-4002-846D-9330B91BFD2E}" type="datetimeFigureOut">
               <a:rPr lang="ru-RU" smtClean="0"/>
-              <a:t>24.12.2019</a:t>
+              <a:t>25.12.2019</a:t>
             </a:fld>
             <a:endParaRPr lang="ru-RU"/>
           </a:p>
@@ -2767,6 +2800,9 @@
   <p:clrMapOvr>
     <a:masterClrMapping/>
   </p:clrMapOvr>
+  <p:transition spd="slow">
+    <p:cover/>
+  </p:transition>
 </p:sldLayout>
 </file>
 
@@ -2949,7 +2985,7 @@
           <a:p>
             <a:fld id="{7E83531D-F6E5-4002-846D-9330B91BFD2E}" type="datetimeFigureOut">
               <a:rPr lang="ru-RU" smtClean="0"/>
-              <a:t>24.12.2019</a:t>
+              <a:t>25.12.2019</a:t>
             </a:fld>
             <a:endParaRPr lang="ru-RU"/>
           </a:p>
@@ -3066,6 +3102,9 @@
     <p:sldLayoutId id="2147483658" r:id="rId10"/>
     <p:sldLayoutId id="2147483659" r:id="rId11"/>
   </p:sldLayoutIdLst>
+  <p:transition spd="slow">
+    <p:cover/>
+  </p:transition>
   <p:txStyles>
     <p:titleStyle>
       <a:lvl1pPr algn="l" defTabSz="914400" rtl="0" eaLnBrk="1" latinLnBrk="0" hangingPunct="1">
@@ -3413,7 +3452,25 @@
                 </a:solidFill>
                 <a:latin typeface="RodchenkoCTT" pitchFamily="2" charset="0"/>
               </a:rPr>
-              <a:t>Brief history of Russian IT</a:t>
+              <a:t>Brief history of Russian </a:t>
+            </a:r>
+            <a:r>
+              <a:rPr lang="en-US">
+                <a:solidFill>
+                  <a:srgbClr val="FFFF00"/>
+                </a:solidFill>
+                <a:latin typeface="RodchenkoCTT" pitchFamily="2" charset="0"/>
+              </a:rPr>
+              <a:t>(Soviet) </a:t>
+            </a:r>
+            <a:r>
+              <a:rPr lang="en-US" dirty="0">
+                <a:solidFill>
+                  <a:srgbClr val="FFFF00"/>
+                </a:solidFill>
+                <a:latin typeface="RodchenkoCTT" pitchFamily="2" charset="0"/>
+              </a:rPr>
+              <a:t>computers</a:t>
             </a:r>
             <a:endParaRPr lang="ru-RU" dirty="0">
               <a:solidFill>
@@ -3478,6 +3535,9 @@
   <p:clrMapOvr>
     <a:masterClrMapping/>
   </p:clrMapOvr>
+  <p:transition spd="slow">
+    <p:cover/>
+  </p:transition>
 </p:sld>
 </file>
 
@@ -3573,15 +3633,7 @@
           <a:p>
             <a:r>
               <a:rPr lang="en-US" dirty="0"/>
-              <a:t>At least </a:t>
-            </a:r>
-            <a:r>
-              <a:rPr lang="en-US" dirty="0" err="1"/>
-              <a:t>elbrus</a:t>
-            </a:r>
-            <a:r>
-              <a:rPr lang="en-US" dirty="0"/>
-              <a:t> supercomputers were made</a:t>
+              <a:t>At least Elbrus supercomputers were made</a:t>
             </a:r>
             <a:endParaRPr lang="ru-RU" dirty="0"/>
           </a:p>
@@ -3681,6 +3733,9 @@
   <p:clrMapOvr>
     <a:masterClrMapping/>
   </p:clrMapOvr>
+  <p:transition spd="slow">
+    <p:cover/>
+  </p:transition>
 </p:sld>
 </file>
 
@@ -3748,7 +3803,7 @@
         </p:nvSpPr>
         <p:spPr>
           <a:xfrm>
-            <a:off x="351638" y="1792069"/>
+            <a:off x="351638" y="1468719"/>
             <a:ext cx="5554212" cy="4351338"/>
           </a:xfrm>
         </p:spPr>
@@ -3758,15 +3813,7 @@
           <a:p>
             <a:r>
               <a:rPr lang="en-US" dirty="0"/>
-              <a:t>The </a:t>
-            </a:r>
-            <a:r>
-              <a:rPr lang="en-US" dirty="0" err="1"/>
-              <a:t>stuggle</a:t>
-            </a:r>
-            <a:r>
-              <a:rPr lang="en-US" dirty="0"/>
-              <a:t> continues</a:t>
+              <a:t>The struggle continues</a:t>
             </a:r>
           </a:p>
           <a:p>
@@ -3782,7 +3829,231 @@
             </a:r>
           </a:p>
           <a:p>
+            <a:r>
+              <a:rPr lang="en-US" dirty="0"/>
+              <a:t>Western software</a:t>
+            </a:r>
             <a:endParaRPr lang="ru-RU" dirty="0"/>
+          </a:p>
+        </p:txBody>
+      </p:sp>
+      <p:pic>
+        <p:nvPicPr>
+          <p:cNvPr id="1026" name="Picture 2">
+            <a:extLst>
+              <a:ext uri="{FF2B5EF4-FFF2-40B4-BE49-F238E27FC236}">
+                <a16:creationId xmlns:a16="http://schemas.microsoft.com/office/drawing/2014/main" id="{441C5F70-F0D8-4E99-99CC-C0EEA801FA29}"/>
+              </a:ext>
+            </a:extLst>
+          </p:cNvPr>
+          <p:cNvPicPr>
+            <a:picLocks noChangeAspect="1" noChangeArrowheads="1"/>
+          </p:cNvPicPr>
+          <p:nvPr/>
+        </p:nvPicPr>
+        <p:blipFill>
+          <a:blip r:embed="rId2">
+            <a:extLst>
+              <a:ext uri="{28A0092B-C50C-407E-A947-70E740481C1C}">
+                <a14:useLocalDpi xmlns:a14="http://schemas.microsoft.com/office/drawing/2010/main" val="0"/>
+              </a:ext>
+            </a:extLst>
+          </a:blip>
+          <a:srcRect/>
+          <a:stretch>
+            <a:fillRect/>
+          </a:stretch>
+        </p:blipFill>
+        <p:spPr bwMode="auto">
+          <a:xfrm>
+            <a:off x="351638" y="3429000"/>
+            <a:ext cx="4941505" cy="3298454"/>
+          </a:xfrm>
+          <a:prstGeom prst="rect">
+            <a:avLst/>
+          </a:prstGeom>
+          <a:noFill/>
+          <a:extLst>
+            <a:ext uri="{909E8E84-426E-40DD-AFC4-6F175D3DCCD1}">
+              <a14:hiddenFill xmlns:a14="http://schemas.microsoft.com/office/drawing/2010/main">
+                <a:solidFill>
+                  <a:srgbClr val="FFFFFF"/>
+                </a:solidFill>
+              </a14:hiddenFill>
+            </a:ext>
+          </a:extLst>
+        </p:spPr>
+      </p:pic>
+      <p:sp>
+        <p:nvSpPr>
+          <p:cNvPr id="5" name="TextBox 4">
+            <a:extLst>
+              <a:ext uri="{FF2B5EF4-FFF2-40B4-BE49-F238E27FC236}">
+                <a16:creationId xmlns:a16="http://schemas.microsoft.com/office/drawing/2014/main" id="{1C543FC4-836F-4748-B924-81BEB88417E1}"/>
+              </a:ext>
+            </a:extLst>
+          </p:cNvPr>
+          <p:cNvSpPr txBox="1"/>
+          <p:nvPr/>
+        </p:nvSpPr>
+        <p:spPr>
+          <a:xfrm>
+            <a:off x="5733571" y="5527125"/>
+            <a:ext cx="3956019" cy="1200329"/>
+          </a:xfrm>
+          <a:prstGeom prst="rect">
+            <a:avLst/>
+          </a:prstGeom>
+          <a:noFill/>
+        </p:spPr>
+        <p:txBody>
+          <a:bodyPr wrap="square" rtlCol="0">
+            <a:spAutoFit/>
+          </a:bodyPr>
+          <a:lstStyle/>
+          <a:p>
+            <a:r>
+              <a:rPr lang="en-US" sz="2400" dirty="0"/>
+              <a:t>Micro-80, first do-it-yourself home computer, </a:t>
+            </a:r>
+            <a:r>
+              <a:rPr lang="en-US" sz="2400" dirty="0" err="1"/>
+              <a:t>cpu</a:t>
+            </a:r>
+            <a:r>
+              <a:rPr lang="en-US" sz="2400" dirty="0"/>
+              <a:t> is a 8080 clone</a:t>
+            </a:r>
+            <a:endParaRPr lang="ru-RU" sz="2400" dirty="0"/>
+          </a:p>
+        </p:txBody>
+      </p:sp>
+      <p:pic>
+        <p:nvPicPr>
+          <p:cNvPr id="1028" name="Picture 4" descr="Image result for радио 86рк">
+            <a:extLst>
+              <a:ext uri="{FF2B5EF4-FFF2-40B4-BE49-F238E27FC236}">
+                <a16:creationId xmlns:a16="http://schemas.microsoft.com/office/drawing/2014/main" id="{59F824F5-5A10-4C12-A32C-377282208F9C}"/>
+              </a:ext>
+            </a:extLst>
+          </p:cNvPr>
+          <p:cNvPicPr>
+            <a:picLocks noChangeAspect="1" noChangeArrowheads="1"/>
+          </p:cNvPicPr>
+          <p:nvPr/>
+        </p:nvPicPr>
+        <p:blipFill>
+          <a:blip r:embed="rId3">
+            <a:extLst>
+              <a:ext uri="{28A0092B-C50C-407E-A947-70E740481C1C}">
+                <a14:useLocalDpi xmlns:a14="http://schemas.microsoft.com/office/drawing/2010/main" val="0"/>
+              </a:ext>
+            </a:extLst>
+          </a:blip>
+          <a:srcRect/>
+          <a:stretch>
+            <a:fillRect/>
+          </a:stretch>
+        </p:blipFill>
+        <p:spPr bwMode="auto">
+          <a:xfrm>
+            <a:off x="7258423" y="496288"/>
+            <a:ext cx="4581939" cy="4581939"/>
+          </a:xfrm>
+          <a:prstGeom prst="rect">
+            <a:avLst/>
+          </a:prstGeom>
+          <a:noFill/>
+          <a:extLst>
+            <a:ext uri="{909E8E84-426E-40DD-AFC4-6F175D3DCCD1}">
+              <a14:hiddenFill xmlns:a14="http://schemas.microsoft.com/office/drawing/2010/main">
+                <a:solidFill>
+                  <a:srgbClr val="FFFFFF"/>
+                </a:solidFill>
+              </a14:hiddenFill>
+            </a:ext>
+          </a:extLst>
+        </p:spPr>
+      </p:pic>
+      <p:sp>
+        <p:nvSpPr>
+          <p:cNvPr id="6" name="Стрелка: влево 5">
+            <a:extLst>
+              <a:ext uri="{FF2B5EF4-FFF2-40B4-BE49-F238E27FC236}">
+                <a16:creationId xmlns:a16="http://schemas.microsoft.com/office/drawing/2014/main" id="{6503777B-6455-4B56-B882-F7AB080F4755}"/>
+              </a:ext>
+            </a:extLst>
+          </p:cNvPr>
+          <p:cNvSpPr/>
+          <p:nvPr/>
+        </p:nvSpPr>
+        <p:spPr>
+          <a:xfrm>
+            <a:off x="5384504" y="5994767"/>
+            <a:ext cx="286022" cy="193181"/>
+          </a:xfrm>
+          <a:prstGeom prst="leftArrow">
+            <a:avLst/>
+          </a:prstGeom>
+        </p:spPr>
+        <p:style>
+          <a:lnRef idx="2">
+            <a:schemeClr val="dk1">
+              <a:shade val="50000"/>
+            </a:schemeClr>
+          </a:lnRef>
+          <a:fillRef idx="1">
+            <a:schemeClr val="dk1"/>
+          </a:fillRef>
+          <a:effectRef idx="0">
+            <a:schemeClr val="dk1"/>
+          </a:effectRef>
+          <a:fontRef idx="minor">
+            <a:schemeClr val="lt1"/>
+          </a:fontRef>
+        </p:style>
+        <p:txBody>
+          <a:bodyPr rtlCol="0" anchor="ctr"/>
+          <a:lstStyle/>
+          <a:p>
+            <a:pPr algn="ctr"/>
+            <a:endParaRPr lang="ru-RU"/>
+          </a:p>
+        </p:txBody>
+      </p:sp>
+      <p:sp>
+        <p:nvSpPr>
+          <p:cNvPr id="7" name="TextBox 6">
+            <a:extLst>
+              <a:ext uri="{FF2B5EF4-FFF2-40B4-BE49-F238E27FC236}">
+                <a16:creationId xmlns:a16="http://schemas.microsoft.com/office/drawing/2014/main" id="{261D992F-5CDA-4E24-A9FB-B7CEEC60BA28}"/>
+              </a:ext>
+            </a:extLst>
+          </p:cNvPr>
+          <p:cNvSpPr txBox="1"/>
+          <p:nvPr/>
+        </p:nvSpPr>
+        <p:spPr>
+          <a:xfrm>
+            <a:off x="5378620" y="1090523"/>
+            <a:ext cx="2027583" cy="1200329"/>
+          </a:xfrm>
+          <a:prstGeom prst="rect">
+            <a:avLst/>
+          </a:prstGeom>
+          <a:noFill/>
+        </p:spPr>
+        <p:txBody>
+          <a:bodyPr wrap="square" rtlCol="0">
+            <a:spAutoFit/>
+          </a:bodyPr>
+          <a:lstStyle/>
+          <a:p>
+            <a:r>
+              <a:rPr lang="en-US" sz="2400" dirty="0"/>
+              <a:t>Radio 86RK – a successor to Mirco-80</a:t>
+            </a:r>
+            <a:endParaRPr lang="ru-RU" sz="2400" dirty="0"/>
           </a:p>
         </p:txBody>
       </p:sp>
@@ -3796,6 +4067,601 @@
   <p:clrMapOvr>
     <a:masterClrMapping/>
   </p:clrMapOvr>
+  <p:transition spd="slow">
+    <p:cover/>
+  </p:transition>
+</p:sld>
+</file>
+
+<file path=ppt/slides/slide12.xml><?xml version="1.0" encoding="utf-8"?>
+<p:sld xmlns:a="http://schemas.openxmlformats.org/drawingml/2006/main" xmlns:r="http://schemas.openxmlformats.org/officeDocument/2006/relationships" xmlns:p="http://schemas.openxmlformats.org/presentationml/2006/main">
+  <p:cSld>
+    <p:spTree>
+      <p:nvGrpSpPr>
+        <p:cNvPr id="1" name=""/>
+        <p:cNvGrpSpPr/>
+        <p:nvPr/>
+      </p:nvGrpSpPr>
+      <p:grpSpPr>
+        <a:xfrm>
+          <a:off x="0" y="0"/>
+          <a:ext cx="0" cy="0"/>
+          <a:chOff x="0" y="0"/>
+          <a:chExt cx="0" cy="0"/>
+        </a:xfrm>
+      </p:grpSpPr>
+      <p:sp>
+        <p:nvSpPr>
+          <p:cNvPr id="2" name="Заголовок 1">
+            <a:extLst>
+              <a:ext uri="{FF2B5EF4-FFF2-40B4-BE49-F238E27FC236}">
+                <a16:creationId xmlns:a16="http://schemas.microsoft.com/office/drawing/2014/main" id="{07650D97-6C3F-4353-8E05-6D1C110F99C8}"/>
+              </a:ext>
+            </a:extLst>
+          </p:cNvPr>
+          <p:cNvSpPr>
+            <a:spLocks noGrp="1"/>
+          </p:cNvSpPr>
+          <p:nvPr>
+            <p:ph type="title"/>
+          </p:nvPr>
+        </p:nvSpPr>
+        <p:spPr/>
+        <p:txBody>
+          <a:bodyPr/>
+          <a:lstStyle/>
+          <a:p>
+            <a:r>
+              <a:rPr lang="en-US" dirty="0"/>
+              <a:t>Perestroika time</a:t>
+            </a:r>
+            <a:endParaRPr lang="ru-RU" dirty="0"/>
+          </a:p>
+        </p:txBody>
+      </p:sp>
+      <p:sp>
+        <p:nvSpPr>
+          <p:cNvPr id="3" name="Объект 2">
+            <a:extLst>
+              <a:ext uri="{FF2B5EF4-FFF2-40B4-BE49-F238E27FC236}">
+                <a16:creationId xmlns:a16="http://schemas.microsoft.com/office/drawing/2014/main" id="{80B876D8-B922-454E-B01E-0D7B12D84210}"/>
+              </a:ext>
+            </a:extLst>
+          </p:cNvPr>
+          <p:cNvSpPr>
+            <a:spLocks noGrp="1"/>
+          </p:cNvSpPr>
+          <p:nvPr>
+            <p:ph idx="1"/>
+          </p:nvPr>
+        </p:nvSpPr>
+        <p:spPr>
+          <a:xfrm>
+            <a:off x="347869" y="1690688"/>
+            <a:ext cx="5244547" cy="4351338"/>
+          </a:xfrm>
+        </p:spPr>
+        <p:txBody>
+          <a:bodyPr/>
+          <a:lstStyle/>
+          <a:p>
+            <a:r>
+              <a:rPr lang="en-US" dirty="0"/>
+              <a:t>All computers are basically clones of western machines</a:t>
+            </a:r>
+          </a:p>
+          <a:p>
+            <a:r>
+              <a:rPr lang="en-US" dirty="0"/>
+              <a:t>All of them have poor reliability</a:t>
+            </a:r>
+          </a:p>
+          <a:p>
+            <a:endParaRPr lang="ru-RU" dirty="0"/>
+          </a:p>
+        </p:txBody>
+      </p:sp>
+      <p:pic>
+        <p:nvPicPr>
+          <p:cNvPr id="2050" name="Picture 2" descr="Image result for электроника бк">
+            <a:extLst>
+              <a:ext uri="{FF2B5EF4-FFF2-40B4-BE49-F238E27FC236}">
+                <a16:creationId xmlns:a16="http://schemas.microsoft.com/office/drawing/2014/main" id="{5BF22045-D5B2-4BDA-9B8C-81C4C5AFBF36}"/>
+              </a:ext>
+            </a:extLst>
+          </p:cNvPr>
+          <p:cNvPicPr>
+            <a:picLocks noChangeAspect="1" noChangeArrowheads="1"/>
+          </p:cNvPicPr>
+          <p:nvPr/>
+        </p:nvPicPr>
+        <p:blipFill>
+          <a:blip r:embed="rId2">
+            <a:extLst>
+              <a:ext uri="{28A0092B-C50C-407E-A947-70E740481C1C}">
+                <a14:useLocalDpi xmlns:a14="http://schemas.microsoft.com/office/drawing/2010/main" val="0"/>
+              </a:ext>
+            </a:extLst>
+          </a:blip>
+          <a:srcRect/>
+          <a:stretch>
+            <a:fillRect/>
+          </a:stretch>
+        </p:blipFill>
+        <p:spPr bwMode="auto">
+          <a:xfrm>
+            <a:off x="347869" y="3340303"/>
+            <a:ext cx="4631634" cy="3517697"/>
+          </a:xfrm>
+          <a:prstGeom prst="rect">
+            <a:avLst/>
+          </a:prstGeom>
+          <a:noFill/>
+          <a:extLst>
+            <a:ext uri="{909E8E84-426E-40DD-AFC4-6F175D3DCCD1}">
+              <a14:hiddenFill xmlns:a14="http://schemas.microsoft.com/office/drawing/2010/main">
+                <a:solidFill>
+                  <a:srgbClr val="FFFFFF"/>
+                </a:solidFill>
+              </a14:hiddenFill>
+            </a:ext>
+          </a:extLst>
+        </p:spPr>
+      </p:pic>
+      <p:sp>
+        <p:nvSpPr>
+          <p:cNvPr id="4" name="TextBox 3">
+            <a:extLst>
+              <a:ext uri="{FF2B5EF4-FFF2-40B4-BE49-F238E27FC236}">
+                <a16:creationId xmlns:a16="http://schemas.microsoft.com/office/drawing/2014/main" id="{D6925028-F2FE-4264-A4E3-3AA9D9282A73}"/>
+              </a:ext>
+            </a:extLst>
+          </p:cNvPr>
+          <p:cNvSpPr txBox="1"/>
+          <p:nvPr/>
+        </p:nvSpPr>
+        <p:spPr>
+          <a:xfrm>
+            <a:off x="4979503" y="4373681"/>
+            <a:ext cx="2252869" cy="1938992"/>
+          </a:xfrm>
+          <a:prstGeom prst="rect">
+            <a:avLst/>
+          </a:prstGeom>
+          <a:noFill/>
+        </p:spPr>
+        <p:txBody>
+          <a:bodyPr wrap="square" rtlCol="0">
+            <a:spAutoFit/>
+          </a:bodyPr>
+          <a:lstStyle/>
+          <a:p>
+            <a:pPr algn="ctr"/>
+            <a:r>
+              <a:rPr lang="en-US" sz="2400" dirty="0"/>
+              <a:t>Electronica BK 0010-01 the only “official” PC for home usage</a:t>
+            </a:r>
+            <a:endParaRPr lang="ru-RU" sz="2400" dirty="0"/>
+          </a:p>
+        </p:txBody>
+      </p:sp>
+      <p:pic>
+        <p:nvPicPr>
+          <p:cNvPr id="2052" name="Picture 4" descr="Image result for ЭВМ агат">
+            <a:extLst>
+              <a:ext uri="{FF2B5EF4-FFF2-40B4-BE49-F238E27FC236}">
+                <a16:creationId xmlns:a16="http://schemas.microsoft.com/office/drawing/2014/main" id="{5B4D128B-3D26-4385-A93D-9E1F59F56F35}"/>
+              </a:ext>
+            </a:extLst>
+          </p:cNvPr>
+          <p:cNvPicPr>
+            <a:picLocks noChangeAspect="1" noChangeArrowheads="1"/>
+          </p:cNvPicPr>
+          <p:nvPr/>
+        </p:nvPicPr>
+        <p:blipFill>
+          <a:blip r:embed="rId3">
+            <a:extLst>
+              <a:ext uri="{28A0092B-C50C-407E-A947-70E740481C1C}">
+                <a14:useLocalDpi xmlns:a14="http://schemas.microsoft.com/office/drawing/2010/main" val="0"/>
+              </a:ext>
+            </a:extLst>
+          </a:blip>
+          <a:srcRect/>
+          <a:stretch>
+            <a:fillRect/>
+          </a:stretch>
+        </p:blipFill>
+        <p:spPr bwMode="auto">
+          <a:xfrm>
+            <a:off x="7405215" y="450849"/>
+            <a:ext cx="4458791" cy="6042026"/>
+          </a:xfrm>
+          <a:prstGeom prst="rect">
+            <a:avLst/>
+          </a:prstGeom>
+          <a:noFill/>
+          <a:extLst>
+            <a:ext uri="{909E8E84-426E-40DD-AFC4-6F175D3DCCD1}">
+              <a14:hiddenFill xmlns:a14="http://schemas.microsoft.com/office/drawing/2010/main">
+                <a:solidFill>
+                  <a:srgbClr val="FFFFFF"/>
+                </a:solidFill>
+              </a14:hiddenFill>
+            </a:ext>
+          </a:extLst>
+        </p:spPr>
+      </p:pic>
+      <p:sp>
+        <p:nvSpPr>
+          <p:cNvPr id="5" name="TextBox 4">
+            <a:extLst>
+              <a:ext uri="{FF2B5EF4-FFF2-40B4-BE49-F238E27FC236}">
+                <a16:creationId xmlns:a16="http://schemas.microsoft.com/office/drawing/2014/main" id="{57A4A408-A024-4535-B73B-FA78B1ACA0F0}"/>
+              </a:ext>
+            </a:extLst>
+          </p:cNvPr>
+          <p:cNvSpPr txBox="1"/>
+          <p:nvPr/>
+        </p:nvSpPr>
+        <p:spPr>
+          <a:xfrm>
+            <a:off x="5592416" y="874643"/>
+            <a:ext cx="1779108" cy="707886"/>
+          </a:xfrm>
+          <a:prstGeom prst="rect">
+            <a:avLst/>
+          </a:prstGeom>
+          <a:noFill/>
+        </p:spPr>
+        <p:txBody>
+          <a:bodyPr wrap="square" rtlCol="0">
+            <a:spAutoFit/>
+          </a:bodyPr>
+          <a:lstStyle/>
+          <a:p>
+            <a:r>
+              <a:rPr lang="en-US" sz="2000" dirty="0" err="1"/>
+              <a:t>Agat</a:t>
+            </a:r>
+            <a:r>
+              <a:rPr lang="en-US" sz="2000" dirty="0"/>
+              <a:t> – Apple II Clone</a:t>
+            </a:r>
+            <a:endParaRPr lang="ru-RU" sz="2000" dirty="0"/>
+          </a:p>
+        </p:txBody>
+      </p:sp>
+    </p:spTree>
+    <p:extLst>
+      <p:ext uri="{BB962C8B-B14F-4D97-AF65-F5344CB8AC3E}">
+        <p14:creationId xmlns:p14="http://schemas.microsoft.com/office/powerpoint/2010/main" val="523179229"/>
+      </p:ext>
+    </p:extLst>
+  </p:cSld>
+  <p:clrMapOvr>
+    <a:masterClrMapping/>
+  </p:clrMapOvr>
+  <p:transition spd="slow">
+    <p:cover/>
+  </p:transition>
+</p:sld>
+</file>
+
+<file path=ppt/slides/slide13.xml><?xml version="1.0" encoding="utf-8"?>
+<p:sld xmlns:a="http://schemas.openxmlformats.org/drawingml/2006/main" xmlns:r="http://schemas.openxmlformats.org/officeDocument/2006/relationships" xmlns:p="http://schemas.openxmlformats.org/presentationml/2006/main">
+  <p:cSld>
+    <p:spTree>
+      <p:nvGrpSpPr>
+        <p:cNvPr id="1" name=""/>
+        <p:cNvGrpSpPr/>
+        <p:nvPr/>
+      </p:nvGrpSpPr>
+      <p:grpSpPr>
+        <a:xfrm>
+          <a:off x="0" y="0"/>
+          <a:ext cx="0" cy="0"/>
+          <a:chOff x="0" y="0"/>
+          <a:chExt cx="0" cy="0"/>
+        </a:xfrm>
+      </p:grpSpPr>
+      <p:sp>
+        <p:nvSpPr>
+          <p:cNvPr id="2" name="Заголовок 1">
+            <a:extLst>
+              <a:ext uri="{FF2B5EF4-FFF2-40B4-BE49-F238E27FC236}">
+                <a16:creationId xmlns:a16="http://schemas.microsoft.com/office/drawing/2014/main" id="{C46C641F-2BA9-4DBE-869F-F199DBF936C5}"/>
+              </a:ext>
+            </a:extLst>
+          </p:cNvPr>
+          <p:cNvSpPr>
+            <a:spLocks noGrp="1"/>
+          </p:cNvSpPr>
+          <p:nvPr>
+            <p:ph type="title"/>
+          </p:nvPr>
+        </p:nvSpPr>
+        <p:spPr/>
+        <p:txBody>
+          <a:bodyPr/>
+          <a:lstStyle/>
+          <a:p>
+            <a:r>
+              <a:rPr lang="en-US" dirty="0"/>
+              <a:t>Perestroika time</a:t>
+            </a:r>
+            <a:endParaRPr lang="ru-RU" dirty="0"/>
+          </a:p>
+        </p:txBody>
+      </p:sp>
+      <p:pic>
+        <p:nvPicPr>
+          <p:cNvPr id="3074" name="Picture 2" descr="Image result for эвм поиск">
+            <a:extLst>
+              <a:ext uri="{FF2B5EF4-FFF2-40B4-BE49-F238E27FC236}">
+                <a16:creationId xmlns:a16="http://schemas.microsoft.com/office/drawing/2014/main" id="{B0C9AECA-EA47-43DD-9B7F-204C5B961493}"/>
+              </a:ext>
+            </a:extLst>
+          </p:cNvPr>
+          <p:cNvPicPr>
+            <a:picLocks noChangeAspect="1" noChangeArrowheads="1"/>
+          </p:cNvPicPr>
+          <p:nvPr/>
+        </p:nvPicPr>
+        <p:blipFill>
+          <a:blip r:embed="rId2">
+            <a:extLst>
+              <a:ext uri="{28A0092B-C50C-407E-A947-70E740481C1C}">
+                <a14:useLocalDpi xmlns:a14="http://schemas.microsoft.com/office/drawing/2010/main" val="0"/>
+              </a:ext>
+            </a:extLst>
+          </a:blip>
+          <a:srcRect/>
+          <a:stretch>
+            <a:fillRect/>
+          </a:stretch>
+        </p:blipFill>
+        <p:spPr bwMode="auto">
+          <a:xfrm>
+            <a:off x="5897216" y="855628"/>
+            <a:ext cx="6096000" cy="4591050"/>
+          </a:xfrm>
+          <a:prstGeom prst="rect">
+            <a:avLst/>
+          </a:prstGeom>
+          <a:noFill/>
+          <a:extLst>
+            <a:ext uri="{909E8E84-426E-40DD-AFC4-6F175D3DCCD1}">
+              <a14:hiddenFill xmlns:a14="http://schemas.microsoft.com/office/drawing/2010/main">
+                <a:solidFill>
+                  <a:srgbClr val="FFFFFF"/>
+                </a:solidFill>
+              </a14:hiddenFill>
+            </a:ext>
+          </a:extLst>
+        </p:spPr>
+      </p:pic>
+      <p:sp>
+        <p:nvSpPr>
+          <p:cNvPr id="4" name="TextBox 3">
+            <a:extLst>
+              <a:ext uri="{FF2B5EF4-FFF2-40B4-BE49-F238E27FC236}">
+                <a16:creationId xmlns:a16="http://schemas.microsoft.com/office/drawing/2014/main" id="{538901BC-9497-462E-9763-2CB150BD1B3C}"/>
+              </a:ext>
+            </a:extLst>
+          </p:cNvPr>
+          <p:cNvSpPr txBox="1"/>
+          <p:nvPr/>
+        </p:nvSpPr>
+        <p:spPr>
+          <a:xfrm>
+            <a:off x="6241773" y="5846544"/>
+            <a:ext cx="5406887" cy="646331"/>
+          </a:xfrm>
+          <a:prstGeom prst="rect">
+            <a:avLst/>
+          </a:prstGeom>
+          <a:noFill/>
+        </p:spPr>
+        <p:txBody>
+          <a:bodyPr wrap="square" rtlCol="0">
+            <a:spAutoFit/>
+          </a:bodyPr>
+          <a:lstStyle/>
+          <a:p>
+            <a:pPr algn="ctr"/>
+            <a:r>
+              <a:rPr lang="en-US" sz="3600" dirty="0" err="1"/>
+              <a:t>Poisk</a:t>
+            </a:r>
+            <a:r>
+              <a:rPr lang="en-US" sz="3600" dirty="0"/>
+              <a:t> – IBM compatible</a:t>
+            </a:r>
+            <a:endParaRPr lang="ru-RU" sz="3600" dirty="0"/>
+          </a:p>
+        </p:txBody>
+      </p:sp>
+      <p:pic>
+        <p:nvPicPr>
+          <p:cNvPr id="3076" name="Picture 4" descr="Vector-06C">
+            <a:extLst>
+              <a:ext uri="{FF2B5EF4-FFF2-40B4-BE49-F238E27FC236}">
+                <a16:creationId xmlns:a16="http://schemas.microsoft.com/office/drawing/2014/main" id="{AB8184EF-AD8D-4DAC-BAF9-0532E4CDA331}"/>
+              </a:ext>
+            </a:extLst>
+          </p:cNvPr>
+          <p:cNvPicPr>
+            <a:picLocks noChangeAspect="1" noChangeArrowheads="1"/>
+          </p:cNvPicPr>
+          <p:nvPr/>
+        </p:nvPicPr>
+        <p:blipFill>
+          <a:blip r:embed="rId3">
+            <a:extLst>
+              <a:ext uri="{28A0092B-C50C-407E-A947-70E740481C1C}">
+                <a14:useLocalDpi xmlns:a14="http://schemas.microsoft.com/office/drawing/2010/main" val="0"/>
+              </a:ext>
+            </a:extLst>
+          </a:blip>
+          <a:srcRect/>
+          <a:stretch>
+            <a:fillRect/>
+          </a:stretch>
+        </p:blipFill>
+        <p:spPr bwMode="auto">
+          <a:xfrm>
+            <a:off x="198784" y="2398971"/>
+            <a:ext cx="5578261" cy="2915513"/>
+          </a:xfrm>
+          <a:prstGeom prst="rect">
+            <a:avLst/>
+          </a:prstGeom>
+          <a:noFill/>
+          <a:extLst>
+            <a:ext uri="{909E8E84-426E-40DD-AFC4-6F175D3DCCD1}">
+              <a14:hiddenFill xmlns:a14="http://schemas.microsoft.com/office/drawing/2010/main">
+                <a:solidFill>
+                  <a:srgbClr val="FFFFFF"/>
+                </a:solidFill>
+              </a14:hiddenFill>
+            </a:ext>
+          </a:extLst>
+        </p:spPr>
+      </p:pic>
+      <p:sp>
+        <p:nvSpPr>
+          <p:cNvPr id="7" name="TextBox 6">
+            <a:extLst>
+              <a:ext uri="{FF2B5EF4-FFF2-40B4-BE49-F238E27FC236}">
+                <a16:creationId xmlns:a16="http://schemas.microsoft.com/office/drawing/2014/main" id="{A280F69E-4CE4-4AC2-9771-ACBB6371879C}"/>
+              </a:ext>
+            </a:extLst>
+          </p:cNvPr>
+          <p:cNvSpPr txBox="1"/>
+          <p:nvPr/>
+        </p:nvSpPr>
+        <p:spPr>
+          <a:xfrm>
+            <a:off x="284470" y="5699601"/>
+            <a:ext cx="5406887" cy="1200329"/>
+          </a:xfrm>
+          <a:prstGeom prst="rect">
+            <a:avLst/>
+          </a:prstGeom>
+          <a:noFill/>
+        </p:spPr>
+        <p:txBody>
+          <a:bodyPr wrap="square" rtlCol="0">
+            <a:spAutoFit/>
+          </a:bodyPr>
+          <a:lstStyle/>
+          <a:p>
+            <a:pPr algn="ctr"/>
+            <a:r>
+              <a:rPr lang="en-US" sz="3600" dirty="0"/>
+              <a:t>Vector 06-c had great graphic possibilities</a:t>
+            </a:r>
+            <a:endParaRPr lang="ru-RU" sz="3600" dirty="0"/>
+          </a:p>
+        </p:txBody>
+      </p:sp>
+    </p:spTree>
+    <p:extLst>
+      <p:ext uri="{BB962C8B-B14F-4D97-AF65-F5344CB8AC3E}">
+        <p14:creationId xmlns:p14="http://schemas.microsoft.com/office/powerpoint/2010/main" val="3387205235"/>
+      </p:ext>
+    </p:extLst>
+  </p:cSld>
+  <p:clrMapOvr>
+    <a:masterClrMapping/>
+  </p:clrMapOvr>
+  <p:transition spd="slow">
+    <p:cover/>
+  </p:transition>
+</p:sld>
+</file>
+
+<file path=ppt/slides/slide14.xml><?xml version="1.0" encoding="utf-8"?>
+<p:sld xmlns:a="http://schemas.openxmlformats.org/drawingml/2006/main" xmlns:r="http://schemas.openxmlformats.org/officeDocument/2006/relationships" xmlns:p="http://schemas.openxmlformats.org/presentationml/2006/main">
+  <p:cSld>
+    <p:bg>
+      <p:bgPr>
+        <a:blipFill dpi="0" rotWithShape="1">
+          <a:blip r:embed="rId2">
+            <a:lum/>
+          </a:blip>
+          <a:srcRect/>
+          <a:stretch>
+            <a:fillRect/>
+          </a:stretch>
+        </a:blipFill>
+        <a:effectLst/>
+      </p:bgPr>
+    </p:bg>
+    <p:spTree>
+      <p:nvGrpSpPr>
+        <p:cNvPr id="1" name=""/>
+        <p:cNvGrpSpPr/>
+        <p:nvPr/>
+      </p:nvGrpSpPr>
+      <p:grpSpPr>
+        <a:xfrm>
+          <a:off x="0" y="0"/>
+          <a:ext cx="0" cy="0"/>
+          <a:chOff x="0" y="0"/>
+          <a:chExt cx="0" cy="0"/>
+        </a:xfrm>
+      </p:grpSpPr>
+      <p:sp>
+        <p:nvSpPr>
+          <p:cNvPr id="4" name="TextBox 3">
+            <a:extLst>
+              <a:ext uri="{FF2B5EF4-FFF2-40B4-BE49-F238E27FC236}">
+                <a16:creationId xmlns:a16="http://schemas.microsoft.com/office/drawing/2014/main" id="{838FED7D-7331-4CE3-BD3A-7389CFA3B5A4}"/>
+              </a:ext>
+            </a:extLst>
+          </p:cNvPr>
+          <p:cNvSpPr txBox="1"/>
+          <p:nvPr/>
+        </p:nvSpPr>
+        <p:spPr>
+          <a:xfrm>
+            <a:off x="516194" y="1905506"/>
+            <a:ext cx="4955458" cy="3046988"/>
+          </a:xfrm>
+          <a:prstGeom prst="rect">
+            <a:avLst/>
+          </a:prstGeom>
+          <a:noFill/>
+        </p:spPr>
+        <p:txBody>
+          <a:bodyPr wrap="square" rtlCol="0">
+            <a:spAutoFit/>
+          </a:bodyPr>
+          <a:lstStyle/>
+          <a:p>
+            <a:r>
+              <a:rPr lang="en-US" sz="9600" dirty="0"/>
+              <a:t>That’s it, comrades</a:t>
+            </a:r>
+            <a:endParaRPr lang="ru-RU" sz="9600" dirty="0"/>
+          </a:p>
+        </p:txBody>
+      </p:sp>
+    </p:spTree>
+    <p:extLst>
+      <p:ext uri="{BB962C8B-B14F-4D97-AF65-F5344CB8AC3E}">
+        <p14:creationId xmlns:p14="http://schemas.microsoft.com/office/powerpoint/2010/main" val="2273638467"/>
+      </p:ext>
+    </p:extLst>
+  </p:cSld>
+  <p:clrMapOvr>
+    <a:masterClrMapping/>
+  </p:clrMapOvr>
+  <p:transition spd="slow">
+    <p:cover/>
+  </p:transition>
 </p:sld>
 </file>
 
@@ -4087,6 +4953,9 @@
   <p:clrMapOvr>
     <a:masterClrMapping/>
   </p:clrMapOvr>
+  <p:transition spd="slow">
+    <p:cover/>
+  </p:transition>
 </p:sld>
 </file>
 
@@ -4307,6 +5176,9 @@
   <p:clrMapOvr>
     <a:masterClrMapping/>
   </p:clrMapOvr>
+  <p:transition spd="slow">
+    <p:cover/>
+  </p:transition>
 </p:sld>
 </file>
 
@@ -4514,6 +5386,9 @@
   <p:clrMapOvr>
     <a:masterClrMapping/>
   </p:clrMapOvr>
+  <p:transition spd="slow">
+    <p:cover/>
+  </p:transition>
 </p:sld>
 </file>
 
@@ -4676,6 +5551,9 @@
   <p:clrMapOvr>
     <a:masterClrMapping/>
   </p:clrMapOvr>
+  <p:transition spd="slow">
+    <p:cover/>
+  </p:transition>
 </p:sld>
 </file>
 
@@ -4933,6 +5811,9 @@
   <p:clrMapOvr>
     <a:masterClrMapping/>
   </p:clrMapOvr>
+  <p:transition spd="slow">
+    <p:cover/>
+  </p:transition>
 </p:sld>
 </file>
 
@@ -5214,6 +6095,9 @@
   <p:clrMapOvr>
     <a:masterClrMapping/>
   </p:clrMapOvr>
+  <p:transition spd="slow">
+    <p:cover/>
+  </p:transition>
 </p:sld>
 </file>
 
@@ -5436,6 +6320,9 @@
   <p:clrMapOvr>
     <a:masterClrMapping/>
   </p:clrMapOvr>
+  <p:transition spd="slow">
+    <p:cover/>
+  </p:transition>
 </p:sld>
 </file>
 
@@ -5745,6 +6632,9 @@
   <p:clrMapOvr>
     <a:masterClrMapping/>
   </p:clrMapOvr>
+  <p:transition spd="slow">
+    <p:cover/>
+  </p:transition>
 </p:sld>
 </file>
 
